--- a/Tutorial_Images/images.pptx
+++ b/Tutorial_Images/images.pptx
@@ -3404,7 +3404,7 @@
         </p:blipFill>
         <p:spPr>
           <a:xfrm>
-            <a:off x="987851" y="2537843"/>
+            <a:off x="476863" y="466996"/>
             <a:ext cx="6377687" cy="3330433"/>
           </a:xfrm>
           <a:prstGeom prst="rect">

--- a/Tutorial_Images/images.pptx
+++ b/Tutorial_Images/images.pptx
@@ -7,6 +7,7 @@
   <p:sldIdLst>
     <p:sldId id="257" r:id="rId2"/>
     <p:sldId id="258" r:id="rId3"/>
+    <p:sldId id="259" r:id="rId4"/>
   </p:sldIdLst>
   <p:sldSz cx="12192000" cy="6858000"/>
   <p:notesSz cx="6858000" cy="9144000"/>
@@ -105,6 +106,11 @@
       </a:defRPr>
     </a:lvl9pPr>
   </p:defaultTextStyle>
+  <p:extLst>
+    <p:ext uri="{EFAFB233-063F-42B5-8137-9DF3F51BA10A}">
+      <p15:sldGuideLst xmlns:p15="http://schemas.microsoft.com/office/powerpoint/2012/main"/>
+    </p:ext>
+  </p:extLst>
 </p:presentation>
 </file>
 
@@ -3425,6 +3431,619 @@
 </p:sld>
 </file>
 
+<file path=ppt/slides/slide3.xml><?xml version="1.0" encoding="utf-8"?>
+<p:sld xmlns:a="http://schemas.openxmlformats.org/drawingml/2006/main" xmlns:r="http://schemas.openxmlformats.org/officeDocument/2006/relationships" xmlns:p="http://schemas.openxmlformats.org/presentationml/2006/main">
+  <p:cSld>
+    <p:spTree>
+      <p:nvGrpSpPr>
+        <p:cNvPr id="1" name=""/>
+        <p:cNvGrpSpPr/>
+        <p:nvPr/>
+      </p:nvGrpSpPr>
+      <p:grpSpPr>
+        <a:xfrm>
+          <a:off x="0" y="0"/>
+          <a:ext cx="0" cy="0"/>
+          <a:chOff x="0" y="0"/>
+          <a:chExt cx="0" cy="0"/>
+        </a:xfrm>
+      </p:grpSpPr>
+      <p:grpSp>
+        <p:nvGrpSpPr>
+          <p:cNvPr id="27" name="Group 26">
+            <a:extLst>
+              <a:ext uri="{FF2B5EF4-FFF2-40B4-BE49-F238E27FC236}">
+                <a16:creationId xmlns:a16="http://schemas.microsoft.com/office/drawing/2014/main" id="{7FB756C5-8076-0042-AB11-0FF88F1E7E76}"/>
+              </a:ext>
+            </a:extLst>
+          </p:cNvPr>
+          <p:cNvGrpSpPr/>
+          <p:nvPr/>
+        </p:nvGrpSpPr>
+        <p:grpSpPr>
+          <a:xfrm>
+            <a:off x="1169005" y="765810"/>
+            <a:ext cx="6771321" cy="2663190"/>
+            <a:chOff x="1053258" y="862097"/>
+            <a:chExt cx="6771321" cy="2663190"/>
+          </a:xfrm>
+        </p:grpSpPr>
+        <p:grpSp>
+          <p:nvGrpSpPr>
+            <p:cNvPr id="4" name="Group 3">
+              <a:extLst>
+                <a:ext uri="{FF2B5EF4-FFF2-40B4-BE49-F238E27FC236}">
+                  <a16:creationId xmlns:a16="http://schemas.microsoft.com/office/drawing/2014/main" id="{A518B772-A8C8-1F49-A14F-886C05C807AA}"/>
+                </a:ext>
+              </a:extLst>
+            </p:cNvPr>
+            <p:cNvGrpSpPr/>
+            <p:nvPr/>
+          </p:nvGrpSpPr>
+          <p:grpSpPr>
+            <a:xfrm>
+              <a:off x="1053258" y="862097"/>
+              <a:ext cx="6771321" cy="2663190"/>
+              <a:chOff x="2407785" y="2611757"/>
+              <a:chExt cx="6771321" cy="2663190"/>
+            </a:xfrm>
+          </p:grpSpPr>
+          <p:sp>
+            <p:nvSpPr>
+              <p:cNvPr id="5" name="Rectangle 4">
+                <a:extLst>
+                  <a:ext uri="{FF2B5EF4-FFF2-40B4-BE49-F238E27FC236}">
+                    <a16:creationId xmlns:a16="http://schemas.microsoft.com/office/drawing/2014/main" id="{C0D4DA86-4D9A-0046-8AB7-21F46DD04D86}"/>
+                  </a:ext>
+                </a:extLst>
+              </p:cNvPr>
+              <p:cNvSpPr/>
+              <p:nvPr/>
+            </p:nvSpPr>
+            <p:spPr>
+              <a:xfrm>
+                <a:off x="2407785" y="2611757"/>
+                <a:ext cx="1494064" cy="868680"/>
+              </a:xfrm>
+              <a:prstGeom prst="rect">
+                <a:avLst/>
+              </a:prstGeom>
+            </p:spPr>
+            <p:style>
+              <a:lnRef idx="2">
+                <a:schemeClr val="accent1">
+                  <a:shade val="50000"/>
+                </a:schemeClr>
+              </a:lnRef>
+              <a:fillRef idx="1">
+                <a:schemeClr val="accent1"/>
+              </a:fillRef>
+              <a:effectRef idx="0">
+                <a:schemeClr val="accent1"/>
+              </a:effectRef>
+              <a:fontRef idx="minor">
+                <a:schemeClr val="lt1"/>
+              </a:fontRef>
+            </p:style>
+            <p:txBody>
+              <a:bodyPr rtlCol="0" anchor="ctr"/>
+              <a:lstStyle/>
+              <a:p>
+                <a:pPr algn="ctr"/>
+                <a:r>
+                  <a:rPr lang="en-US" dirty="0"/>
+                  <a:t>Structure</a:t>
+                </a:r>
+              </a:p>
+            </p:txBody>
+          </p:sp>
+          <p:sp>
+            <p:nvSpPr>
+              <p:cNvPr id="6" name="Rectangle 5">
+                <a:extLst>
+                  <a:ext uri="{FF2B5EF4-FFF2-40B4-BE49-F238E27FC236}">
+                    <a16:creationId xmlns:a16="http://schemas.microsoft.com/office/drawing/2014/main" id="{75616D6B-C064-E543-9C26-7D26EA190969}"/>
+                  </a:ext>
+                </a:extLst>
+              </p:cNvPr>
+              <p:cNvSpPr/>
+              <p:nvPr/>
+            </p:nvSpPr>
+            <p:spPr>
+              <a:xfrm>
+                <a:off x="5443946" y="4406267"/>
+                <a:ext cx="1494064" cy="868680"/>
+              </a:xfrm>
+              <a:prstGeom prst="rect">
+                <a:avLst/>
+              </a:prstGeom>
+            </p:spPr>
+            <p:style>
+              <a:lnRef idx="2">
+                <a:schemeClr val="accent1">
+                  <a:shade val="50000"/>
+                </a:schemeClr>
+              </a:lnRef>
+              <a:fillRef idx="1">
+                <a:schemeClr val="accent1"/>
+              </a:fillRef>
+              <a:effectRef idx="0">
+                <a:schemeClr val="accent1"/>
+              </a:effectRef>
+              <a:fontRef idx="minor">
+                <a:schemeClr val="lt1"/>
+              </a:fontRef>
+            </p:style>
+            <p:txBody>
+              <a:bodyPr rtlCol="0" anchor="ctr"/>
+              <a:lstStyle/>
+              <a:p>
+                <a:pPr algn="ctr"/>
+                <a:r>
+                  <a:rPr lang="en-US" dirty="0"/>
+                  <a:t>Gaussian Process</a:t>
+                </a:r>
+              </a:p>
+            </p:txBody>
+          </p:sp>
+          <p:sp>
+            <p:nvSpPr>
+              <p:cNvPr id="7" name="Rectangle 6">
+                <a:extLst>
+                  <a:ext uri="{FF2B5EF4-FFF2-40B4-BE49-F238E27FC236}">
+                    <a16:creationId xmlns:a16="http://schemas.microsoft.com/office/drawing/2014/main" id="{95A8D312-D36F-B948-B083-26AED61282CB}"/>
+                  </a:ext>
+                </a:extLst>
+              </p:cNvPr>
+              <p:cNvSpPr/>
+              <p:nvPr/>
+            </p:nvSpPr>
+            <p:spPr>
+              <a:xfrm>
+                <a:off x="7685042" y="4406267"/>
+                <a:ext cx="1494064" cy="868680"/>
+              </a:xfrm>
+              <a:prstGeom prst="rect">
+                <a:avLst/>
+              </a:prstGeom>
+            </p:spPr>
+            <p:style>
+              <a:lnRef idx="2">
+                <a:schemeClr val="accent1">
+                  <a:shade val="50000"/>
+                </a:schemeClr>
+              </a:lnRef>
+              <a:fillRef idx="1">
+                <a:schemeClr val="accent1"/>
+              </a:fillRef>
+              <a:effectRef idx="0">
+                <a:schemeClr val="accent1"/>
+              </a:effectRef>
+              <a:fontRef idx="minor">
+                <a:schemeClr val="lt1"/>
+              </a:fontRef>
+            </p:style>
+            <p:txBody>
+              <a:bodyPr rtlCol="0" anchor="ctr"/>
+              <a:lstStyle/>
+              <a:p>
+                <a:pPr algn="ctr"/>
+                <a:r>
+                  <a:rPr lang="en-US" dirty="0"/>
+                  <a:t>On-the-fly Trainer</a:t>
+                </a:r>
+              </a:p>
+            </p:txBody>
+          </p:sp>
+          <p:sp>
+            <p:nvSpPr>
+              <p:cNvPr id="8" name="Rectangle 7">
+                <a:extLst>
+                  <a:ext uri="{FF2B5EF4-FFF2-40B4-BE49-F238E27FC236}">
+                    <a16:creationId xmlns:a16="http://schemas.microsoft.com/office/drawing/2014/main" id="{D9822C7D-D637-8747-9E2A-736291F12F31}"/>
+                  </a:ext>
+                </a:extLst>
+              </p:cNvPr>
+              <p:cNvSpPr/>
+              <p:nvPr/>
+            </p:nvSpPr>
+            <p:spPr>
+              <a:xfrm>
+                <a:off x="6594566" y="2611757"/>
+                <a:ext cx="1494064" cy="868680"/>
+              </a:xfrm>
+              <a:prstGeom prst="rect">
+                <a:avLst/>
+              </a:prstGeom>
+            </p:spPr>
+            <p:style>
+              <a:lnRef idx="2">
+                <a:schemeClr val="accent1">
+                  <a:shade val="50000"/>
+                </a:schemeClr>
+              </a:lnRef>
+              <a:fillRef idx="1">
+                <a:schemeClr val="accent1"/>
+              </a:fillRef>
+              <a:effectRef idx="0">
+                <a:schemeClr val="accent1"/>
+              </a:effectRef>
+              <a:fontRef idx="minor">
+                <a:schemeClr val="lt1"/>
+              </a:fontRef>
+            </p:style>
+            <p:txBody>
+              <a:bodyPr rtlCol="0" anchor="ctr"/>
+              <a:lstStyle/>
+              <a:p>
+                <a:pPr algn="ctr"/>
+                <a:r>
+                  <a:rPr lang="en-US" dirty="0"/>
+                  <a:t>Kernels</a:t>
+                </a:r>
+              </a:p>
+            </p:txBody>
+          </p:sp>
+          <p:sp>
+            <p:nvSpPr>
+              <p:cNvPr id="9" name="Rectangle 8">
+                <a:extLst>
+                  <a:ext uri="{FF2B5EF4-FFF2-40B4-BE49-F238E27FC236}">
+                    <a16:creationId xmlns:a16="http://schemas.microsoft.com/office/drawing/2014/main" id="{28FD86A8-D73B-054A-A3B6-58229312CBEE}"/>
+                  </a:ext>
+                </a:extLst>
+              </p:cNvPr>
+              <p:cNvSpPr/>
+              <p:nvPr/>
+            </p:nvSpPr>
+            <p:spPr>
+              <a:xfrm>
+                <a:off x="4601936" y="2611757"/>
+                <a:ext cx="1494064" cy="868680"/>
+              </a:xfrm>
+              <a:prstGeom prst="rect">
+                <a:avLst/>
+              </a:prstGeom>
+            </p:spPr>
+            <p:style>
+              <a:lnRef idx="2">
+                <a:schemeClr val="accent1">
+                  <a:shade val="50000"/>
+                </a:schemeClr>
+              </a:lnRef>
+              <a:fillRef idx="1">
+                <a:schemeClr val="accent1"/>
+              </a:fillRef>
+              <a:effectRef idx="0">
+                <a:schemeClr val="accent1"/>
+              </a:effectRef>
+              <a:fontRef idx="minor">
+                <a:schemeClr val="lt1"/>
+              </a:fontRef>
+            </p:style>
+            <p:txBody>
+              <a:bodyPr rtlCol="0" anchor="ctr"/>
+              <a:lstStyle/>
+              <a:p>
+                <a:pPr algn="ctr"/>
+                <a:r>
+                  <a:rPr lang="en-US" dirty="0"/>
+                  <a:t>Atomic Environment</a:t>
+                </a:r>
+              </a:p>
+            </p:txBody>
+          </p:sp>
+          <p:cxnSp>
+            <p:nvCxnSpPr>
+              <p:cNvPr id="10" name="Straight Arrow Connector 9">
+                <a:extLst>
+                  <a:ext uri="{FF2B5EF4-FFF2-40B4-BE49-F238E27FC236}">
+                    <a16:creationId xmlns:a16="http://schemas.microsoft.com/office/drawing/2014/main" id="{51141286-E458-AD44-BF75-647231B763AF}"/>
+                  </a:ext>
+                </a:extLst>
+              </p:cNvPr>
+              <p:cNvCxnSpPr>
+                <a:stCxn id="5" idx="3"/>
+                <a:endCxn id="9" idx="1"/>
+              </p:cNvCxnSpPr>
+              <p:nvPr/>
+            </p:nvCxnSpPr>
+            <p:spPr>
+              <a:xfrm>
+                <a:off x="3901849" y="3046097"/>
+                <a:ext cx="700087" cy="0"/>
+              </a:xfrm>
+              <a:prstGeom prst="straightConnector1">
+                <a:avLst/>
+              </a:prstGeom>
+              <a:ln>
+                <a:tailEnd type="triangle"/>
+              </a:ln>
+            </p:spPr>
+            <p:style>
+              <a:lnRef idx="1">
+                <a:schemeClr val="dk1"/>
+              </a:lnRef>
+              <a:fillRef idx="0">
+                <a:schemeClr val="dk1"/>
+              </a:fillRef>
+              <a:effectRef idx="0">
+                <a:schemeClr val="dk1"/>
+              </a:effectRef>
+              <a:fontRef idx="minor">
+                <a:schemeClr val="tx1"/>
+              </a:fontRef>
+            </p:style>
+          </p:cxnSp>
+          <p:cxnSp>
+            <p:nvCxnSpPr>
+              <p:cNvPr id="11" name="Straight Arrow Connector 10">
+                <a:extLst>
+                  <a:ext uri="{FF2B5EF4-FFF2-40B4-BE49-F238E27FC236}">
+                    <a16:creationId xmlns:a16="http://schemas.microsoft.com/office/drawing/2014/main" id="{B45D4C7D-1B33-0A46-B9C2-72B8B98396A4}"/>
+                  </a:ext>
+                </a:extLst>
+              </p:cNvPr>
+              <p:cNvCxnSpPr>
+                <a:stCxn id="9" idx="3"/>
+                <a:endCxn id="8" idx="1"/>
+              </p:cNvCxnSpPr>
+              <p:nvPr/>
+            </p:nvCxnSpPr>
+            <p:spPr>
+              <a:xfrm>
+                <a:off x="6096000" y="3046097"/>
+                <a:ext cx="498566" cy="0"/>
+              </a:xfrm>
+              <a:prstGeom prst="straightConnector1">
+                <a:avLst/>
+              </a:prstGeom>
+              <a:ln>
+                <a:tailEnd type="triangle"/>
+              </a:ln>
+            </p:spPr>
+            <p:style>
+              <a:lnRef idx="1">
+                <a:schemeClr val="dk1"/>
+              </a:lnRef>
+              <a:fillRef idx="0">
+                <a:schemeClr val="dk1"/>
+              </a:fillRef>
+              <a:effectRef idx="0">
+                <a:schemeClr val="dk1"/>
+              </a:effectRef>
+              <a:fontRef idx="minor">
+                <a:schemeClr val="tx1"/>
+              </a:fontRef>
+            </p:style>
+          </p:cxnSp>
+          <p:cxnSp>
+            <p:nvCxnSpPr>
+              <p:cNvPr id="12" name="Straight Arrow Connector 11">
+                <a:extLst>
+                  <a:ext uri="{FF2B5EF4-FFF2-40B4-BE49-F238E27FC236}">
+                    <a16:creationId xmlns:a16="http://schemas.microsoft.com/office/drawing/2014/main" id="{1E7A0638-F19A-6E46-9768-49FC156E8DE5}"/>
+                  </a:ext>
+                </a:extLst>
+              </p:cNvPr>
+              <p:cNvCxnSpPr>
+                <a:stCxn id="9" idx="2"/>
+                <a:endCxn id="6" idx="0"/>
+              </p:cNvCxnSpPr>
+              <p:nvPr/>
+            </p:nvCxnSpPr>
+            <p:spPr>
+              <a:xfrm>
+                <a:off x="5348968" y="3480437"/>
+                <a:ext cx="842010" cy="925830"/>
+              </a:xfrm>
+              <a:prstGeom prst="straightConnector1">
+                <a:avLst/>
+              </a:prstGeom>
+              <a:ln>
+                <a:tailEnd type="triangle"/>
+              </a:ln>
+            </p:spPr>
+            <p:style>
+              <a:lnRef idx="1">
+                <a:schemeClr val="dk1"/>
+              </a:lnRef>
+              <a:fillRef idx="0">
+                <a:schemeClr val="dk1"/>
+              </a:fillRef>
+              <a:effectRef idx="0">
+                <a:schemeClr val="dk1"/>
+              </a:effectRef>
+              <a:fontRef idx="minor">
+                <a:schemeClr val="tx1"/>
+              </a:fontRef>
+            </p:style>
+          </p:cxnSp>
+          <p:cxnSp>
+            <p:nvCxnSpPr>
+              <p:cNvPr id="13" name="Straight Arrow Connector 12">
+                <a:extLst>
+                  <a:ext uri="{FF2B5EF4-FFF2-40B4-BE49-F238E27FC236}">
+                    <a16:creationId xmlns:a16="http://schemas.microsoft.com/office/drawing/2014/main" id="{29C0E41E-D037-074D-915E-A9581C3FB6B9}"/>
+                  </a:ext>
+                </a:extLst>
+              </p:cNvPr>
+              <p:cNvCxnSpPr>
+                <a:stCxn id="8" idx="2"/>
+                <a:endCxn id="6" idx="0"/>
+              </p:cNvCxnSpPr>
+              <p:nvPr/>
+            </p:nvCxnSpPr>
+            <p:spPr>
+              <a:xfrm flipH="1">
+                <a:off x="6190978" y="3480437"/>
+                <a:ext cx="1150620" cy="925830"/>
+              </a:xfrm>
+              <a:prstGeom prst="straightConnector1">
+                <a:avLst/>
+              </a:prstGeom>
+              <a:ln>
+                <a:tailEnd type="triangle"/>
+              </a:ln>
+            </p:spPr>
+            <p:style>
+              <a:lnRef idx="1">
+                <a:schemeClr val="dk1"/>
+              </a:lnRef>
+              <a:fillRef idx="0">
+                <a:schemeClr val="dk1"/>
+              </a:fillRef>
+              <a:effectRef idx="0">
+                <a:schemeClr val="dk1"/>
+              </a:effectRef>
+              <a:fontRef idx="minor">
+                <a:schemeClr val="tx1"/>
+              </a:fontRef>
+            </p:style>
+          </p:cxnSp>
+          <p:cxnSp>
+            <p:nvCxnSpPr>
+              <p:cNvPr id="14" name="Straight Arrow Connector 13">
+                <a:extLst>
+                  <a:ext uri="{FF2B5EF4-FFF2-40B4-BE49-F238E27FC236}">
+                    <a16:creationId xmlns:a16="http://schemas.microsoft.com/office/drawing/2014/main" id="{3E5C5FC4-DC2F-C24B-8133-64CB1DE75378}"/>
+                  </a:ext>
+                </a:extLst>
+              </p:cNvPr>
+              <p:cNvCxnSpPr>
+                <a:stCxn id="6" idx="3"/>
+                <a:endCxn id="7" idx="1"/>
+              </p:cNvCxnSpPr>
+              <p:nvPr/>
+            </p:nvCxnSpPr>
+            <p:spPr>
+              <a:xfrm>
+                <a:off x="6938010" y="4840607"/>
+                <a:ext cx="747032" cy="0"/>
+              </a:xfrm>
+              <a:prstGeom prst="straightConnector1">
+                <a:avLst/>
+              </a:prstGeom>
+              <a:ln>
+                <a:tailEnd type="triangle"/>
+              </a:ln>
+            </p:spPr>
+            <p:style>
+              <a:lnRef idx="1">
+                <a:schemeClr val="dk1"/>
+              </a:lnRef>
+              <a:fillRef idx="0">
+                <a:schemeClr val="dk1"/>
+              </a:fillRef>
+              <a:effectRef idx="0">
+                <a:schemeClr val="dk1"/>
+              </a:effectRef>
+              <a:fontRef idx="minor">
+                <a:schemeClr val="tx1"/>
+              </a:fontRef>
+            </p:style>
+          </p:cxnSp>
+        </p:grpSp>
+        <p:cxnSp>
+          <p:nvCxnSpPr>
+            <p:cNvPr id="22" name="Elbow Connector 21">
+              <a:extLst>
+                <a:ext uri="{FF2B5EF4-FFF2-40B4-BE49-F238E27FC236}">
+                  <a16:creationId xmlns:a16="http://schemas.microsoft.com/office/drawing/2014/main" id="{58FB3898-BBB1-FE40-8D13-2C4C903B1607}"/>
+                </a:ext>
+              </a:extLst>
+            </p:cNvPr>
+            <p:cNvCxnSpPr>
+              <a:stCxn id="5" idx="2"/>
+              <a:endCxn id="7" idx="2"/>
+            </p:cNvCxnSpPr>
+            <p:nvPr/>
+          </p:nvCxnSpPr>
+          <p:spPr>
+            <a:xfrm rot="16200000" flipH="1">
+              <a:off x="3541663" y="-10597"/>
+              <a:ext cx="1794510" cy="5277257"/>
+            </a:xfrm>
+            <a:prstGeom prst="bentConnector3">
+              <a:avLst>
+                <a:gd name="adj1" fmla="val 112739"/>
+              </a:avLst>
+            </a:prstGeom>
+            <a:ln>
+              <a:tailEnd type="triangle"/>
+            </a:ln>
+          </p:spPr>
+          <p:style>
+            <a:lnRef idx="1">
+              <a:schemeClr val="dk1"/>
+            </a:lnRef>
+            <a:fillRef idx="0">
+              <a:schemeClr val="dk1"/>
+            </a:fillRef>
+            <a:effectRef idx="0">
+              <a:schemeClr val="dk1"/>
+            </a:effectRef>
+            <a:fontRef idx="minor">
+              <a:schemeClr val="tx1"/>
+            </a:fontRef>
+          </p:style>
+        </p:cxnSp>
+        <p:cxnSp>
+          <p:nvCxnSpPr>
+            <p:cNvPr id="26" name="Elbow Connector 25">
+              <a:extLst>
+                <a:ext uri="{FF2B5EF4-FFF2-40B4-BE49-F238E27FC236}">
+                  <a16:creationId xmlns:a16="http://schemas.microsoft.com/office/drawing/2014/main" id="{B11C6E51-1074-EB48-BBAF-52A23A5BBC1B}"/>
+                </a:ext>
+              </a:extLst>
+            </p:cNvPr>
+            <p:cNvCxnSpPr>
+              <a:stCxn id="5" idx="2"/>
+              <a:endCxn id="6" idx="1"/>
+            </p:cNvCxnSpPr>
+            <p:nvPr/>
+          </p:nvCxnSpPr>
+          <p:spPr>
+            <a:xfrm rot="16200000" flipH="1">
+              <a:off x="2264769" y="1266297"/>
+              <a:ext cx="1360170" cy="2289129"/>
+            </a:xfrm>
+            <a:prstGeom prst="bentConnector2">
+              <a:avLst/>
+            </a:prstGeom>
+            <a:ln>
+              <a:tailEnd type="triangle"/>
+            </a:ln>
+          </p:spPr>
+          <p:style>
+            <a:lnRef idx="1">
+              <a:schemeClr val="dk1"/>
+            </a:lnRef>
+            <a:fillRef idx="0">
+              <a:schemeClr val="dk1"/>
+            </a:fillRef>
+            <a:effectRef idx="0">
+              <a:schemeClr val="dk1"/>
+            </a:effectRef>
+            <a:fontRef idx="minor">
+              <a:schemeClr val="tx1"/>
+            </a:fontRef>
+          </p:style>
+        </p:cxnSp>
+      </p:grpSp>
+    </p:spTree>
+    <p:extLst>
+      <p:ext uri="{BB962C8B-B14F-4D97-AF65-F5344CB8AC3E}">
+        <p14:creationId xmlns:p14="http://schemas.microsoft.com/office/powerpoint/2010/main" val="1950442289"/>
+      </p:ext>
+    </p:extLst>
+  </p:cSld>
+  <p:clrMapOvr>
+    <a:masterClrMapping/>
+  </p:clrMapOvr>
+</p:sld>
+</file>
+
 <file path=ppt/theme/theme1.xml><?xml version="1.0" encoding="utf-8"?>
 <a:theme xmlns:a="http://schemas.openxmlformats.org/drawingml/2006/main" name="Office Theme">
   <a:themeElements>
